--- a/docs/songs/let evrything that has breath.pptx
+++ b/docs/songs/let evrything that has breath.pptx
@@ -5,14 +5,19 @@
     <p:sldMasterId id="2147483648" r:id="rId1"/>
   </p:sldMasterIdLst>
   <p:notesMasterIdLst>
-    <p:notesMasterId r:id="rId7"/>
+    <p:notesMasterId r:id="rId12"/>
   </p:notesMasterIdLst>
   <p:sldIdLst>
     <p:sldId id="1133" r:id="rId2"/>
     <p:sldId id="1134" r:id="rId3"/>
     <p:sldId id="1135" r:id="rId4"/>
-    <p:sldId id="1136" r:id="rId5"/>
-    <p:sldId id="1137" r:id="rId6"/>
+    <p:sldId id="1138" r:id="rId5"/>
+    <p:sldId id="1136" r:id="rId6"/>
+    <p:sldId id="1139" r:id="rId7"/>
+    <p:sldId id="1137" r:id="rId8"/>
+    <p:sldId id="1140" r:id="rId9"/>
+    <p:sldId id="1141" r:id="rId10"/>
+    <p:sldId id="1142" r:id="rId11"/>
   </p:sldIdLst>
   <p:sldSz cx="9144000" cy="6858000" type="screen4x3"/>
   <p:notesSz cx="6858000" cy="9144000"/>
@@ -212,7 +217,7 @@
           <a:p>
             <a:fld id="{C57EAEFC-A9C7-464E-BE3F-33D4DD72E122}" type="datetimeFigureOut">
               <a:rPr lang="en-GB" smtClean="0"/>
-              <a:t>18/03/2024</a:t>
+              <a:t>09/08/2025</a:t>
             </a:fld>
             <a:endParaRPr lang="en-GB"/>
           </a:p>
@@ -480,6 +485,90 @@
 </p:notesMaster>
 </file>
 
+<file path=ppt/notesSlides/notesSlide1.xml><?xml version="1.0" encoding="utf-8"?>
+<p:notes xmlns:a="http://schemas.openxmlformats.org/drawingml/2006/main" xmlns:r="http://schemas.openxmlformats.org/officeDocument/2006/relationships" xmlns:p="http://schemas.openxmlformats.org/presentationml/2006/main">
+  <p:cSld>
+    <p:spTree>
+      <p:nvGrpSpPr>
+        <p:cNvPr id="1" name=""/>
+        <p:cNvGrpSpPr/>
+        <p:nvPr/>
+      </p:nvGrpSpPr>
+      <p:grpSpPr>
+        <a:xfrm>
+          <a:off x="0" y="0"/>
+          <a:ext cx="0" cy="0"/>
+          <a:chOff x="0" y="0"/>
+          <a:chExt cx="0" cy="0"/>
+        </a:xfrm>
+      </p:grpSpPr>
+      <p:sp>
+        <p:nvSpPr>
+          <p:cNvPr id="2" name="Slide Image Placeholder 1"/>
+          <p:cNvSpPr>
+            <a:spLocks noGrp="1" noRot="1" noChangeAspect="1"/>
+          </p:cNvSpPr>
+          <p:nvPr>
+            <p:ph type="sldImg"/>
+          </p:nvPr>
+        </p:nvSpPr>
+        <p:spPr/>
+      </p:sp>
+      <p:sp>
+        <p:nvSpPr>
+          <p:cNvPr id="3" name="Notes Placeholder 2"/>
+          <p:cNvSpPr>
+            <a:spLocks noGrp="1"/>
+          </p:cNvSpPr>
+          <p:nvPr>
+            <p:ph type="body" idx="1"/>
+          </p:nvPr>
+        </p:nvSpPr>
+        <p:spPr/>
+        <p:txBody>
+          <a:bodyPr/>
+          <a:lstStyle/>
+          <a:p>
+            <a:endParaRPr lang="en-GB" dirty="0"/>
+          </a:p>
+        </p:txBody>
+      </p:sp>
+      <p:sp>
+        <p:nvSpPr>
+          <p:cNvPr id="4" name="Slide Number Placeholder 3"/>
+          <p:cNvSpPr>
+            <a:spLocks noGrp="1"/>
+          </p:cNvSpPr>
+          <p:nvPr>
+            <p:ph type="sldNum" sz="quarter" idx="5"/>
+          </p:nvPr>
+        </p:nvSpPr>
+        <p:spPr/>
+        <p:txBody>
+          <a:bodyPr/>
+          <a:lstStyle/>
+          <a:p>
+            <a:fld id="{E79B61DE-1D46-4752-AF65-FA2C4EB0D1D0}" type="slidenum">
+              <a:rPr lang="en-GB" smtClean="0"/>
+              <a:t>10</a:t>
+            </a:fld>
+            <a:endParaRPr lang="en-GB"/>
+          </a:p>
+        </p:txBody>
+      </p:sp>
+    </p:spTree>
+    <p:extLst>
+      <p:ext uri="{BB962C8B-B14F-4D97-AF65-F5344CB8AC3E}">
+        <p14:creationId xmlns:p14="http://schemas.microsoft.com/office/powerpoint/2010/main" val="547926005"/>
+      </p:ext>
+    </p:extLst>
+  </p:cSld>
+  <p:clrMapOvr>
+    <a:masterClrMapping/>
+  </p:clrMapOvr>
+</p:notes>
+</file>
+
 <file path=ppt/slideLayouts/slideLayout1.xml><?xml version="1.0" encoding="utf-8"?>
 <p:sldLayout xmlns:a="http://schemas.openxmlformats.org/drawingml/2006/main" xmlns:r="http://schemas.openxmlformats.org/officeDocument/2006/relationships" xmlns:p="http://schemas.openxmlformats.org/presentationml/2006/main" type="title" preserve="1">
   <p:cSld name="Title Slide">
@@ -662,7 +751,7 @@
             <a:fld id="{26EA1CF3-4A15-4CBF-9A5A-6A56C368BE71}" type="datetimeFigureOut">
               <a:rPr lang="en-GB" smtClean="0"/>
               <a:pPr/>
-              <a:t>18/03/2024</a:t>
+              <a:t>09/08/2025</a:t>
             </a:fld>
             <a:endParaRPr lang="en-GB"/>
           </a:p>
@@ -829,7 +918,7 @@
             <a:fld id="{26EA1CF3-4A15-4CBF-9A5A-6A56C368BE71}" type="datetimeFigureOut">
               <a:rPr lang="en-GB" smtClean="0"/>
               <a:pPr/>
-              <a:t>18/03/2024</a:t>
+              <a:t>09/08/2025</a:t>
             </a:fld>
             <a:endParaRPr lang="en-GB"/>
           </a:p>
@@ -1006,7 +1095,7 @@
             <a:fld id="{26EA1CF3-4A15-4CBF-9A5A-6A56C368BE71}" type="datetimeFigureOut">
               <a:rPr lang="en-GB" smtClean="0"/>
               <a:pPr/>
-              <a:t>18/03/2024</a:t>
+              <a:t>09/08/2025</a:t>
             </a:fld>
             <a:endParaRPr lang="en-GB"/>
           </a:p>
@@ -1173,7 +1262,7 @@
             <a:fld id="{26EA1CF3-4A15-4CBF-9A5A-6A56C368BE71}" type="datetimeFigureOut">
               <a:rPr lang="en-GB" smtClean="0"/>
               <a:pPr/>
-              <a:t>18/03/2024</a:t>
+              <a:t>09/08/2025</a:t>
             </a:fld>
             <a:endParaRPr lang="en-GB"/>
           </a:p>
@@ -1416,7 +1505,7 @@
             <a:fld id="{26EA1CF3-4A15-4CBF-9A5A-6A56C368BE71}" type="datetimeFigureOut">
               <a:rPr lang="en-GB" smtClean="0"/>
               <a:pPr/>
-              <a:t>18/03/2024</a:t>
+              <a:t>09/08/2025</a:t>
             </a:fld>
             <a:endParaRPr lang="en-GB"/>
           </a:p>
@@ -1701,7 +1790,7 @@
             <a:fld id="{26EA1CF3-4A15-4CBF-9A5A-6A56C368BE71}" type="datetimeFigureOut">
               <a:rPr lang="en-GB" smtClean="0"/>
               <a:pPr/>
-              <a:t>18/03/2024</a:t>
+              <a:t>09/08/2025</a:t>
             </a:fld>
             <a:endParaRPr lang="en-GB"/>
           </a:p>
@@ -2120,7 +2209,7 @@
             <a:fld id="{26EA1CF3-4A15-4CBF-9A5A-6A56C368BE71}" type="datetimeFigureOut">
               <a:rPr lang="en-GB" smtClean="0"/>
               <a:pPr/>
-              <a:t>18/03/2024</a:t>
+              <a:t>09/08/2025</a:t>
             </a:fld>
             <a:endParaRPr lang="en-GB"/>
           </a:p>
@@ -2235,7 +2324,7 @@
             <a:fld id="{26EA1CF3-4A15-4CBF-9A5A-6A56C368BE71}" type="datetimeFigureOut">
               <a:rPr lang="en-GB" smtClean="0"/>
               <a:pPr/>
-              <a:t>18/03/2024</a:t>
+              <a:t>09/08/2025</a:t>
             </a:fld>
             <a:endParaRPr lang="en-GB"/>
           </a:p>
@@ -2327,7 +2416,7 @@
             <a:fld id="{26EA1CF3-4A15-4CBF-9A5A-6A56C368BE71}" type="datetimeFigureOut">
               <a:rPr lang="en-GB" smtClean="0"/>
               <a:pPr/>
-              <a:t>18/03/2024</a:t>
+              <a:t>09/08/2025</a:t>
             </a:fld>
             <a:endParaRPr lang="en-GB"/>
           </a:p>
@@ -2601,7 +2690,7 @@
             <a:fld id="{26EA1CF3-4A15-4CBF-9A5A-6A56C368BE71}" type="datetimeFigureOut">
               <a:rPr lang="en-GB" smtClean="0"/>
               <a:pPr/>
-              <a:t>18/03/2024</a:t>
+              <a:t>09/08/2025</a:t>
             </a:fld>
             <a:endParaRPr lang="en-GB"/>
           </a:p>
@@ -2851,7 +2940,7 @@
             <a:fld id="{26EA1CF3-4A15-4CBF-9A5A-6A56C368BE71}" type="datetimeFigureOut">
               <a:rPr lang="en-GB" smtClean="0"/>
               <a:pPr/>
-              <a:t>18/03/2024</a:t>
+              <a:t>09/08/2025</a:t>
             </a:fld>
             <a:endParaRPr lang="en-GB"/>
           </a:p>
@@ -3060,7 +3149,7 @@
             <a:fld id="{26EA1CF3-4A15-4CBF-9A5A-6A56C368BE71}" type="datetimeFigureOut">
               <a:rPr lang="en-GB" smtClean="0"/>
               <a:pPr/>
-              <a:t>18/03/2024</a:t>
+              <a:t>09/08/2025</a:t>
             </a:fld>
             <a:endParaRPr lang="en-GB"/>
           </a:p>
@@ -3707,6 +3796,192 @@
 </p:sld>
 </file>
 
+<file path=ppt/slides/slide10.xml><?xml version="1.0" encoding="utf-8"?>
+<p:sld xmlns:a="http://schemas.openxmlformats.org/drawingml/2006/main" xmlns:r="http://schemas.openxmlformats.org/officeDocument/2006/relationships" xmlns:p="http://schemas.openxmlformats.org/presentationml/2006/main">
+  <p:cSld>
+    <p:spTree>
+      <p:nvGrpSpPr>
+        <p:cNvPr id="1" name="">
+          <a:extLst>
+            <a:ext uri="{FF2B5EF4-FFF2-40B4-BE49-F238E27FC236}">
+              <a16:creationId xmlns:a16="http://schemas.microsoft.com/office/drawing/2014/main" id="{592F80D0-D92C-C02B-A234-B93E1BD62F96}"/>
+            </a:ext>
+          </a:extLst>
+        </p:cNvPr>
+        <p:cNvGrpSpPr/>
+        <p:nvPr/>
+      </p:nvGrpSpPr>
+      <p:grpSpPr>
+        <a:xfrm>
+          <a:off x="0" y="0"/>
+          <a:ext cx="0" cy="0"/>
+          <a:chOff x="0" y="0"/>
+          <a:chExt cx="0" cy="0"/>
+        </a:xfrm>
+      </p:grpSpPr>
+      <p:sp>
+        <p:nvSpPr>
+          <p:cNvPr id="3" name="Subtitle 2">
+            <a:extLst>
+              <a:ext uri="{FF2B5EF4-FFF2-40B4-BE49-F238E27FC236}">
+                <a16:creationId xmlns:a16="http://schemas.microsoft.com/office/drawing/2014/main" id="{54C28C56-4EC7-B48E-EF0A-18BBEE666E9C}"/>
+              </a:ext>
+            </a:extLst>
+          </p:cNvPr>
+          <p:cNvSpPr>
+            <a:spLocks noGrp="1"/>
+          </p:cNvSpPr>
+          <p:nvPr>
+            <p:ph type="subTitle" idx="1"/>
+          </p:nvPr>
+        </p:nvSpPr>
+        <p:spPr>
+          <a:xfrm>
+            <a:off x="251520" y="620688"/>
+            <a:ext cx="8640960" cy="6480720"/>
+          </a:xfrm>
+        </p:spPr>
+        <p:txBody>
+          <a:bodyPr>
+            <a:noAutofit/>
+          </a:bodyPr>
+          <a:lstStyle/>
+          <a:p>
+            <a:r>
+              <a:rPr lang="en-GB" sz="3600" dirty="0">
+                <a:solidFill>
+                  <a:schemeClr val="bg1"/>
+                </a:solidFill>
+              </a:rPr>
+              <a:t>Let </a:t>
+            </a:r>
+            <a:r>
+              <a:rPr lang="en-GB" sz="3600" dirty="0" err="1">
+                <a:solidFill>
+                  <a:schemeClr val="bg1"/>
+                </a:solidFill>
+              </a:rPr>
+              <a:t>ev'rything</a:t>
+            </a:r>
+            <a:r>
+              <a:rPr lang="en-GB" sz="3600" dirty="0">
+                <a:solidFill>
+                  <a:schemeClr val="bg1"/>
+                </a:solidFill>
+              </a:rPr>
+              <a:t> that</a:t>
+            </a:r>
+          </a:p>
+          <a:p>
+            <a:r>
+              <a:rPr lang="en-GB" sz="3600" dirty="0" err="1">
+                <a:solidFill>
+                  <a:schemeClr val="bg1"/>
+                </a:solidFill>
+              </a:rPr>
+              <a:t>Ev'rything</a:t>
+            </a:r>
+            <a:r>
+              <a:rPr lang="en-GB" sz="3600" dirty="0">
+                <a:solidFill>
+                  <a:schemeClr val="bg1"/>
+                </a:solidFill>
+              </a:rPr>
+              <a:t> that</a:t>
+            </a:r>
+          </a:p>
+          <a:p>
+            <a:r>
+              <a:rPr lang="en-GB" sz="3600" dirty="0" err="1">
+                <a:solidFill>
+                  <a:schemeClr val="bg1"/>
+                </a:solidFill>
+              </a:rPr>
+              <a:t>Ev'rything</a:t>
+            </a:r>
+            <a:r>
+              <a:rPr lang="en-GB" sz="3600" dirty="0">
+                <a:solidFill>
+                  <a:schemeClr val="bg1"/>
+                </a:solidFill>
+              </a:rPr>
+              <a:t> that has breath</a:t>
+            </a:r>
+          </a:p>
+          <a:p>
+            <a:r>
+              <a:rPr lang="en-GB" sz="3600" dirty="0">
+                <a:solidFill>
+                  <a:schemeClr val="bg1"/>
+                </a:solidFill>
+              </a:rPr>
+              <a:t>Praise the Lord</a:t>
+            </a:r>
+          </a:p>
+          <a:p>
+            <a:r>
+              <a:rPr lang="en-GB" sz="3600" dirty="0">
+                <a:solidFill>
+                  <a:schemeClr val="bg1"/>
+                </a:solidFill>
+              </a:rPr>
+              <a:t>(Repeat)</a:t>
+            </a:r>
+          </a:p>
+        </p:txBody>
+      </p:sp>
+      <p:sp>
+        <p:nvSpPr>
+          <p:cNvPr id="4" name="TextBox 3">
+            <a:extLst>
+              <a:ext uri="{FF2B5EF4-FFF2-40B4-BE49-F238E27FC236}">
+                <a16:creationId xmlns:a16="http://schemas.microsoft.com/office/drawing/2014/main" id="{836388DD-070D-D166-62D6-BBA2DF1E57C8}"/>
+              </a:ext>
+            </a:extLst>
+          </p:cNvPr>
+          <p:cNvSpPr txBox="1"/>
+          <p:nvPr/>
+        </p:nvSpPr>
+        <p:spPr>
+          <a:xfrm>
+            <a:off x="8316416" y="0"/>
+            <a:ext cx="628698" cy="461665"/>
+          </a:xfrm>
+          <a:prstGeom prst="rect">
+            <a:avLst/>
+          </a:prstGeom>
+          <a:noFill/>
+        </p:spPr>
+        <p:txBody>
+          <a:bodyPr wrap="none" rtlCol="0">
+            <a:spAutoFit/>
+          </a:bodyPr>
+          <a:lstStyle/>
+          <a:p>
+            <a:r>
+              <a:rPr lang="en-GB" sz="2400" b="1" dirty="0">
+                <a:solidFill>
+                  <a:schemeClr val="bg1"/>
+                </a:solidFill>
+              </a:rPr>
+              <a:t>9/9</a:t>
+            </a:r>
+          </a:p>
+        </p:txBody>
+      </p:sp>
+    </p:spTree>
+    <p:extLst>
+      <p:ext uri="{BB962C8B-B14F-4D97-AF65-F5344CB8AC3E}">
+        <p14:creationId xmlns:p14="http://schemas.microsoft.com/office/powerpoint/2010/main" val="1056896852"/>
+      </p:ext>
+    </p:extLst>
+  </p:cSld>
+  <p:clrMapOvr>
+    <a:masterClrMapping/>
+  </p:clrMapOvr>
+</p:sld>
+</file>
+
 <file path=ppt/slides/slide2.xml><?xml version="1.0" encoding="utf-8"?>
 <p:sld xmlns:a="http://schemas.openxmlformats.org/drawingml/2006/main" xmlns:r="http://schemas.openxmlformats.org/officeDocument/2006/relationships" xmlns:p="http://schemas.openxmlformats.org/presentationml/2006/main">
   <p:cSld>
@@ -3736,7 +4011,7 @@
         </p:nvSpPr>
         <p:spPr>
           <a:xfrm>
-            <a:off x="251520" y="620688"/>
+            <a:off x="275574" y="764704"/>
             <a:ext cx="8640960" cy="6480720"/>
           </a:xfrm>
         </p:spPr>
@@ -3747,7 +4022,7 @@
           <a:lstStyle/>
           <a:p>
             <a:r>
-              <a:rPr lang="en-GB" sz="4000" dirty="0">
+              <a:rPr lang="en-GB" sz="3600" dirty="0">
                 <a:solidFill>
                   <a:schemeClr val="bg1"/>
                 </a:solidFill>
@@ -3755,7 +4030,7 @@
               <a:t>Let </a:t>
             </a:r>
             <a:r>
-              <a:rPr lang="en-GB" sz="4000" dirty="0" err="1">
+              <a:rPr lang="en-GB" sz="3600" dirty="0" err="1">
                 <a:solidFill>
                   <a:schemeClr val="bg1"/>
                 </a:solidFill>
@@ -3763,7 +4038,7 @@
               <a:t>ev'rything</a:t>
             </a:r>
             <a:r>
-              <a:rPr lang="en-GB" sz="4000" dirty="0">
+              <a:rPr lang="en-GB" sz="3600" dirty="0">
                 <a:solidFill>
                   <a:schemeClr val="bg1"/>
                 </a:solidFill>
@@ -3773,7 +4048,7 @@
           </a:p>
           <a:p>
             <a:r>
-              <a:rPr lang="en-GB" sz="4000" dirty="0" err="1">
+              <a:rPr lang="en-GB" sz="3600" dirty="0" err="1">
                 <a:solidFill>
                   <a:schemeClr val="bg1"/>
                 </a:solidFill>
@@ -3781,7 +4056,7 @@
               <a:t>Ev'rything</a:t>
             </a:r>
             <a:r>
-              <a:rPr lang="en-GB" sz="4000" dirty="0">
+              <a:rPr lang="en-GB" sz="3600" dirty="0">
                 <a:solidFill>
                   <a:schemeClr val="bg1"/>
                 </a:solidFill>
@@ -3791,7 +4066,7 @@
           </a:p>
           <a:p>
             <a:r>
-              <a:rPr lang="en-GB" sz="4000" dirty="0" err="1">
+              <a:rPr lang="en-GB" sz="3600" dirty="0" err="1">
                 <a:solidFill>
                   <a:schemeClr val="bg1"/>
                 </a:solidFill>
@@ -3799,7 +4074,7 @@
               <a:t>Ev'rything</a:t>
             </a:r>
             <a:r>
-              <a:rPr lang="en-GB" sz="4000" dirty="0">
+              <a:rPr lang="en-GB" sz="3600" dirty="0">
                 <a:solidFill>
                   <a:schemeClr val="bg1"/>
                 </a:solidFill>
@@ -3809,7 +4084,7 @@
           </a:p>
           <a:p>
             <a:r>
-              <a:rPr lang="en-GB" sz="4000" dirty="0">
+              <a:rPr lang="en-GB" sz="3600" dirty="0">
                 <a:solidFill>
                   <a:schemeClr val="bg1"/>
                 </a:solidFill>
@@ -3819,74 +4094,12 @@
           </a:p>
           <a:p>
             <a:r>
-              <a:rPr lang="en-GB" sz="4000" dirty="0">
-                <a:solidFill>
-                  <a:schemeClr val="bg1"/>
-                </a:solidFill>
-              </a:rPr>
-              <a:t>Let </a:t>
-            </a:r>
-            <a:r>
-              <a:rPr lang="en-GB" sz="4000" dirty="0" err="1">
-                <a:solidFill>
-                  <a:schemeClr val="bg1"/>
-                </a:solidFill>
-              </a:rPr>
-              <a:t>ev'rything</a:t>
-            </a:r>
-            <a:r>
-              <a:rPr lang="en-GB" sz="4000" dirty="0">
-                <a:solidFill>
-                  <a:schemeClr val="bg1"/>
-                </a:solidFill>
-              </a:rPr>
-              <a:t> that</a:t>
-            </a:r>
-          </a:p>
-          <a:p>
-            <a:r>
-              <a:rPr lang="en-GB" sz="4000" dirty="0" err="1">
-                <a:solidFill>
-                  <a:schemeClr val="bg1"/>
-                </a:solidFill>
-              </a:rPr>
-              <a:t>Ev'rything</a:t>
-            </a:r>
-            <a:r>
-              <a:rPr lang="en-GB" sz="4000" dirty="0">
-                <a:solidFill>
-                  <a:schemeClr val="bg1"/>
-                </a:solidFill>
-              </a:rPr>
-              <a:t> that</a:t>
-            </a:r>
-          </a:p>
-          <a:p>
-            <a:r>
-              <a:rPr lang="en-GB" sz="4000" dirty="0" err="1">
-                <a:solidFill>
-                  <a:schemeClr val="bg1"/>
-                </a:solidFill>
-              </a:rPr>
-              <a:t>Ev'rything</a:t>
-            </a:r>
-            <a:r>
-              <a:rPr lang="en-GB" sz="4000" dirty="0">
-                <a:solidFill>
-                  <a:schemeClr val="bg1"/>
-                </a:solidFill>
-              </a:rPr>
-              <a:t> that has breath</a:t>
-            </a:r>
-          </a:p>
-          <a:p>
-            <a:r>
-              <a:rPr lang="en-GB" sz="4000" dirty="0">
-                <a:solidFill>
-                  <a:schemeClr val="bg1"/>
-                </a:solidFill>
-              </a:rPr>
-              <a:t>Praise the Lord</a:t>
+              <a:rPr lang="en-GB" sz="3600" dirty="0">
+                <a:solidFill>
+                  <a:schemeClr val="bg1"/>
+                </a:solidFill>
+              </a:rPr>
+              <a:t>(Repeat)</a:t>
             </a:r>
           </a:p>
         </p:txBody>
@@ -3919,7 +4132,7 @@
                   <a:schemeClr val="bg1"/>
                 </a:solidFill>
               </a:rPr>
-              <a:t>1/4</a:t>
+              <a:t>1/9</a:t>
             </a:r>
           </a:p>
         </p:txBody>
@@ -3966,7 +4179,7 @@
         </p:nvSpPr>
         <p:spPr>
           <a:xfrm>
-            <a:off x="251520" y="620688"/>
+            <a:off x="304154" y="764704"/>
             <a:ext cx="8640960" cy="6480720"/>
           </a:xfrm>
         </p:spPr>
@@ -3977,7 +4190,7 @@
           <a:lstStyle/>
           <a:p>
             <a:r>
-              <a:rPr lang="en-GB" sz="4000" dirty="0">
+              <a:rPr lang="en-GB" sz="3600" dirty="0">
                 <a:solidFill>
                   <a:schemeClr val="bg1"/>
                 </a:solidFill>
@@ -3987,7 +4200,7 @@
           </a:p>
           <a:p>
             <a:r>
-              <a:rPr lang="en-GB" sz="4000" dirty="0">
+              <a:rPr lang="en-GB" sz="3600" dirty="0">
                 <a:solidFill>
                   <a:schemeClr val="bg1"/>
                 </a:solidFill>
@@ -3997,7 +4210,7 @@
           </a:p>
           <a:p>
             <a:r>
-              <a:rPr lang="en-GB" sz="4000" dirty="0">
+              <a:rPr lang="en-GB" sz="3600" dirty="0">
                 <a:solidFill>
                   <a:schemeClr val="bg1"/>
                 </a:solidFill>
@@ -4007,58 +4220,12 @@
           </a:p>
           <a:p>
             <a:r>
-              <a:rPr lang="en-GB" sz="4000" dirty="0">
+              <a:rPr lang="en-GB" sz="3600" dirty="0">
                 <a:solidFill>
                   <a:schemeClr val="bg1"/>
                 </a:solidFill>
               </a:rPr>
               <a:t>And when I'm old</a:t>
-            </a:r>
-          </a:p>
-          <a:p>
-            <a:r>
-              <a:rPr lang="en-GB" sz="4000" dirty="0">
-                <a:solidFill>
-                  <a:schemeClr val="bg1"/>
-                </a:solidFill>
-              </a:rPr>
-              <a:t>Praise You when I'm laughing</a:t>
-            </a:r>
-          </a:p>
-          <a:p>
-            <a:r>
-              <a:rPr lang="en-GB" sz="4000" dirty="0">
-                <a:solidFill>
-                  <a:schemeClr val="bg1"/>
-                </a:solidFill>
-              </a:rPr>
-              <a:t>Praise You when I'm grieving</a:t>
-            </a:r>
-          </a:p>
-          <a:p>
-            <a:r>
-              <a:rPr lang="en-GB" sz="4000" dirty="0">
-                <a:solidFill>
-                  <a:schemeClr val="bg1"/>
-                </a:solidFill>
-              </a:rPr>
-              <a:t>Praise You </a:t>
-            </a:r>
-            <a:r>
-              <a:rPr lang="en-GB" sz="4000" dirty="0" err="1">
-                <a:solidFill>
-                  <a:schemeClr val="bg1"/>
-                </a:solidFill>
-              </a:rPr>
-              <a:t>ev'ry</a:t>
-            </a:r>
-            <a:r>
-              <a:rPr lang="en-GB" sz="4000" dirty="0">
-                <a:solidFill>
-                  <a:schemeClr val="bg1"/>
-                </a:solidFill>
-              </a:rPr>
-              <a:t> season of the soul</a:t>
             </a:r>
           </a:p>
         </p:txBody>
@@ -4091,7 +4258,7 @@
                   <a:schemeClr val="bg1"/>
                 </a:solidFill>
               </a:rPr>
-              <a:t>2/4</a:t>
+              <a:t>2/9</a:t>
             </a:r>
           </a:p>
         </p:txBody>
@@ -4114,7 +4281,13 @@
   <p:cSld>
     <p:spTree>
       <p:nvGrpSpPr>
-        <p:cNvPr id="1" name=""/>
+        <p:cNvPr id="1" name="">
+          <a:extLst>
+            <a:ext uri="{FF2B5EF4-FFF2-40B4-BE49-F238E27FC236}">
+              <a16:creationId xmlns:a16="http://schemas.microsoft.com/office/drawing/2014/main" id="{0D7F0002-0621-DA33-C830-5885E826C9AA}"/>
+            </a:ext>
+          </a:extLst>
+        </p:cNvPr>
         <p:cNvGrpSpPr/>
         <p:nvPr/>
       </p:nvGrpSpPr>
@@ -4128,7 +4301,13 @@
       </p:grpSpPr>
       <p:sp>
         <p:nvSpPr>
-          <p:cNvPr id="3" name="Subtitle 2"/>
+          <p:cNvPr id="3" name="Subtitle 2">
+            <a:extLst>
+              <a:ext uri="{FF2B5EF4-FFF2-40B4-BE49-F238E27FC236}">
+                <a16:creationId xmlns:a16="http://schemas.microsoft.com/office/drawing/2014/main" id="{522760B1-7748-633F-117E-490E73FF376F}"/>
+              </a:ext>
+            </a:extLst>
+          </p:cNvPr>
           <p:cNvSpPr>
             <a:spLocks noGrp="1"/>
           </p:cNvSpPr>
@@ -4138,7 +4317,7 @@
         </p:nvSpPr>
         <p:spPr>
           <a:xfrm>
-            <a:off x="251520" y="620688"/>
+            <a:off x="292704" y="764704"/>
             <a:ext cx="8640960" cy="6480720"/>
           </a:xfrm>
         </p:spPr>
@@ -4149,85 +4328,61 @@
           <a:lstStyle/>
           <a:p>
             <a:r>
-              <a:rPr lang="en-GB" sz="4000" dirty="0">
-                <a:solidFill>
-                  <a:schemeClr val="bg1"/>
-                </a:solidFill>
-              </a:rPr>
-              <a:t>If we (they) could see</a:t>
-            </a:r>
-          </a:p>
-          <a:p>
-            <a:r>
-              <a:rPr lang="en-GB" sz="4000" dirty="0">
-                <a:solidFill>
-                  <a:schemeClr val="bg1"/>
-                </a:solidFill>
-              </a:rPr>
-              <a:t>How much You're worth</a:t>
-            </a:r>
-          </a:p>
-          <a:p>
-            <a:r>
-              <a:rPr lang="en-GB" sz="4000" dirty="0">
-                <a:solidFill>
-                  <a:schemeClr val="bg1"/>
-                </a:solidFill>
-              </a:rPr>
-              <a:t>Your </a:t>
-            </a:r>
-            <a:r>
-              <a:rPr lang="en-GB" sz="4000" dirty="0" err="1">
-                <a:solidFill>
-                  <a:schemeClr val="bg1"/>
-                </a:solidFill>
-              </a:rPr>
-              <a:t>pow'r</a:t>
-            </a:r>
-            <a:r>
-              <a:rPr lang="en-GB" sz="4000" dirty="0">
-                <a:solidFill>
-                  <a:schemeClr val="bg1"/>
-                </a:solidFill>
-              </a:rPr>
-              <a:t> Your might</a:t>
-            </a:r>
-          </a:p>
-          <a:p>
-            <a:r>
-              <a:rPr lang="en-GB" sz="4000" dirty="0">
-                <a:solidFill>
-                  <a:schemeClr val="bg1"/>
-                </a:solidFill>
-              </a:rPr>
-              <a:t>Your endless love</a:t>
-            </a:r>
-          </a:p>
-          <a:p>
-            <a:r>
-              <a:rPr lang="en-GB" sz="4000" dirty="0">
-                <a:solidFill>
-                  <a:schemeClr val="bg1"/>
-                </a:solidFill>
-              </a:rPr>
-              <a:t>Then surely we would</a:t>
-            </a:r>
-          </a:p>
-          <a:p>
-            <a:r>
-              <a:rPr lang="en-GB" sz="4000" dirty="0">
-                <a:solidFill>
-                  <a:schemeClr val="bg1"/>
-                </a:solidFill>
-              </a:rPr>
-              <a:t>Never cease to praise</a:t>
-            </a:r>
-          </a:p>
-        </p:txBody>
-      </p:sp>
-      <p:sp>
-        <p:nvSpPr>
-          <p:cNvPr id="4" name="TextBox 3"/>
+              <a:rPr lang="en-GB" sz="3600" dirty="0">
+                <a:solidFill>
+                  <a:schemeClr val="bg1"/>
+                </a:solidFill>
+              </a:rPr>
+              <a:t>Praise You when I'm laughing</a:t>
+            </a:r>
+          </a:p>
+          <a:p>
+            <a:r>
+              <a:rPr lang="en-GB" sz="3600" dirty="0">
+                <a:solidFill>
+                  <a:schemeClr val="bg1"/>
+                </a:solidFill>
+              </a:rPr>
+              <a:t>Praise You when I'm grieving</a:t>
+            </a:r>
+          </a:p>
+          <a:p>
+            <a:r>
+              <a:rPr lang="en-GB" sz="3600" dirty="0">
+                <a:solidFill>
+                  <a:schemeClr val="bg1"/>
+                </a:solidFill>
+              </a:rPr>
+              <a:t>Praise You </a:t>
+            </a:r>
+            <a:r>
+              <a:rPr lang="en-GB" sz="3600" dirty="0" err="1">
+                <a:solidFill>
+                  <a:schemeClr val="bg1"/>
+                </a:solidFill>
+              </a:rPr>
+              <a:t>ev'ry</a:t>
+            </a:r>
+            <a:r>
+              <a:rPr lang="en-GB" sz="3600" dirty="0">
+                <a:solidFill>
+                  <a:schemeClr val="bg1"/>
+                </a:solidFill>
+              </a:rPr>
+              <a:t> season of the soul</a:t>
+            </a:r>
+          </a:p>
+        </p:txBody>
+      </p:sp>
+      <p:sp>
+        <p:nvSpPr>
+          <p:cNvPr id="4" name="TextBox 3">
+            <a:extLst>
+              <a:ext uri="{FF2B5EF4-FFF2-40B4-BE49-F238E27FC236}">
+                <a16:creationId xmlns:a16="http://schemas.microsoft.com/office/drawing/2014/main" id="{4C152631-4EAD-D42B-DFCF-A9CFBA93BCC1}"/>
+              </a:ext>
+            </a:extLst>
+          </p:cNvPr>
           <p:cNvSpPr txBox="1"/>
           <p:nvPr/>
         </p:nvSpPr>
@@ -4253,7 +4408,7 @@
                   <a:schemeClr val="bg1"/>
                 </a:solidFill>
               </a:rPr>
-              <a:t>3/4</a:t>
+              <a:t>3/9</a:t>
             </a:r>
           </a:p>
         </p:txBody>
@@ -4261,7 +4416,7 @@
     </p:spTree>
     <p:extLst>
       <p:ext uri="{BB962C8B-B14F-4D97-AF65-F5344CB8AC3E}">
-        <p14:creationId xmlns:p14="http://schemas.microsoft.com/office/powerpoint/2010/main" val="2113694205"/>
+        <p14:creationId xmlns:p14="http://schemas.microsoft.com/office/powerpoint/2010/main" val="1299875300"/>
       </p:ext>
     </p:extLst>
   </p:cSld>
@@ -4300,7 +4455,7 @@
         </p:nvSpPr>
         <p:spPr>
           <a:xfrm>
-            <a:off x="251520" y="620688"/>
+            <a:off x="251520" y="692696"/>
             <a:ext cx="8640960" cy="6480720"/>
           </a:xfrm>
         </p:spPr>
@@ -4311,62 +4466,78 @@
           <a:lstStyle/>
           <a:p>
             <a:r>
-              <a:rPr lang="en-GB" sz="4000" dirty="0">
-                <a:solidFill>
-                  <a:schemeClr val="bg1"/>
-                </a:solidFill>
-              </a:rPr>
-              <a:t>Praise You in the heavens</a:t>
-            </a:r>
-          </a:p>
-          <a:p>
-            <a:r>
-              <a:rPr lang="en-GB" sz="4000" dirty="0">
-                <a:solidFill>
-                  <a:schemeClr val="bg1"/>
-                </a:solidFill>
-              </a:rPr>
-              <a:t>Joining with the angels</a:t>
-            </a:r>
-          </a:p>
-          <a:p>
-            <a:r>
-              <a:rPr lang="en-GB" sz="4000" dirty="0">
-                <a:solidFill>
-                  <a:schemeClr val="bg1"/>
-                </a:solidFill>
-              </a:rPr>
-              <a:t>Praising You forever and a day</a:t>
-            </a:r>
-          </a:p>
-          <a:p>
-            <a:r>
-              <a:rPr lang="en-GB" sz="4000" dirty="0">
-                <a:solidFill>
-                  <a:schemeClr val="bg1"/>
-                </a:solidFill>
-              </a:rPr>
-              <a:t>Praise You on the earth now</a:t>
-            </a:r>
-          </a:p>
-          <a:p>
-            <a:r>
-              <a:rPr lang="en-GB" sz="4000" dirty="0">
-                <a:solidFill>
-                  <a:schemeClr val="bg1"/>
-                </a:solidFill>
-              </a:rPr>
-              <a:t>Joining with creation</a:t>
-            </a:r>
-          </a:p>
-          <a:p>
-            <a:r>
-              <a:rPr lang="en-GB" sz="4000" dirty="0">
-                <a:solidFill>
-                  <a:schemeClr val="bg1"/>
-                </a:solidFill>
-              </a:rPr>
-              <a:t>Calling all the nations to Your praise</a:t>
+              <a:rPr lang="en-GB" sz="3600" dirty="0">
+                <a:solidFill>
+                  <a:schemeClr val="bg1"/>
+                </a:solidFill>
+              </a:rPr>
+              <a:t>If we could see</a:t>
+            </a:r>
+          </a:p>
+          <a:p>
+            <a:r>
+              <a:rPr lang="en-GB" sz="3600" dirty="0">
+                <a:solidFill>
+                  <a:schemeClr val="bg1"/>
+                </a:solidFill>
+              </a:rPr>
+              <a:t>How much You're worth</a:t>
+            </a:r>
+          </a:p>
+          <a:p>
+            <a:r>
+              <a:rPr lang="en-GB" sz="3600" dirty="0">
+                <a:solidFill>
+                  <a:schemeClr val="bg1"/>
+                </a:solidFill>
+              </a:rPr>
+              <a:t>Your </a:t>
+            </a:r>
+            <a:r>
+              <a:rPr lang="en-GB" sz="3600" dirty="0" err="1">
+                <a:solidFill>
+                  <a:schemeClr val="bg1"/>
+                </a:solidFill>
+              </a:rPr>
+              <a:t>pow'r</a:t>
+            </a:r>
+            <a:r>
+              <a:rPr lang="en-GB" sz="3600" dirty="0">
+                <a:solidFill>
+                  <a:schemeClr val="bg1"/>
+                </a:solidFill>
+              </a:rPr>
+              <a:t> Your might</a:t>
+            </a:r>
+          </a:p>
+          <a:p>
+            <a:r>
+              <a:rPr lang="en-GB" sz="3600" dirty="0">
+                <a:solidFill>
+                  <a:schemeClr val="bg1"/>
+                </a:solidFill>
+              </a:rPr>
+              <a:t>Your endless love</a:t>
+            </a:r>
+          </a:p>
+          <a:p>
+            <a:r>
+              <a:rPr lang="en-GB" sz="3600" dirty="0">
+                <a:solidFill>
+                  <a:schemeClr val="bg1"/>
+                </a:solidFill>
+              </a:rPr>
+              <a:t>Then surely we would</a:t>
+            </a:r>
+          </a:p>
+          <a:p>
+            <a:r>
+              <a:rPr lang="en-GB" sz="3600" dirty="0">
+                <a:solidFill>
+                  <a:schemeClr val="bg1"/>
+                </a:solidFill>
+              </a:rPr>
+              <a:t>Never cease to praise</a:t>
             </a:r>
           </a:p>
         </p:txBody>
@@ -4399,7 +4570,309 @@
                   <a:schemeClr val="bg1"/>
                 </a:solidFill>
               </a:rPr>
-              <a:t>4/4</a:t>
+              <a:t>4/9</a:t>
+            </a:r>
+          </a:p>
+        </p:txBody>
+      </p:sp>
+    </p:spTree>
+    <p:extLst>
+      <p:ext uri="{BB962C8B-B14F-4D97-AF65-F5344CB8AC3E}">
+        <p14:creationId xmlns:p14="http://schemas.microsoft.com/office/powerpoint/2010/main" val="2113694205"/>
+      </p:ext>
+    </p:extLst>
+  </p:cSld>
+  <p:clrMapOvr>
+    <a:masterClrMapping/>
+  </p:clrMapOvr>
+</p:sld>
+</file>
+
+<file path=ppt/slides/slide6.xml><?xml version="1.0" encoding="utf-8"?>
+<p:sld xmlns:a="http://schemas.openxmlformats.org/drawingml/2006/main" xmlns:r="http://schemas.openxmlformats.org/officeDocument/2006/relationships" xmlns:p="http://schemas.openxmlformats.org/presentationml/2006/main">
+  <p:cSld>
+    <p:spTree>
+      <p:nvGrpSpPr>
+        <p:cNvPr id="1" name="">
+          <a:extLst>
+            <a:ext uri="{FF2B5EF4-FFF2-40B4-BE49-F238E27FC236}">
+              <a16:creationId xmlns:a16="http://schemas.microsoft.com/office/drawing/2014/main" id="{E067452E-5899-78FF-CD20-0878664593F9}"/>
+            </a:ext>
+          </a:extLst>
+        </p:cNvPr>
+        <p:cNvGrpSpPr/>
+        <p:nvPr/>
+      </p:nvGrpSpPr>
+      <p:grpSpPr>
+        <a:xfrm>
+          <a:off x="0" y="0"/>
+          <a:ext cx="0" cy="0"/>
+          <a:chOff x="0" y="0"/>
+          <a:chExt cx="0" cy="0"/>
+        </a:xfrm>
+      </p:grpSpPr>
+      <p:sp>
+        <p:nvSpPr>
+          <p:cNvPr id="3" name="Subtitle 2">
+            <a:extLst>
+              <a:ext uri="{FF2B5EF4-FFF2-40B4-BE49-F238E27FC236}">
+                <a16:creationId xmlns:a16="http://schemas.microsoft.com/office/drawing/2014/main" id="{3D2A8415-426E-654E-8194-CB85643A6433}"/>
+              </a:ext>
+            </a:extLst>
+          </p:cNvPr>
+          <p:cNvSpPr>
+            <a:spLocks noGrp="1"/>
+          </p:cNvSpPr>
+          <p:nvPr>
+            <p:ph type="subTitle" idx="1"/>
+          </p:nvPr>
+        </p:nvSpPr>
+        <p:spPr>
+          <a:xfrm>
+            <a:off x="282440" y="836712"/>
+            <a:ext cx="8640960" cy="6480720"/>
+          </a:xfrm>
+        </p:spPr>
+        <p:txBody>
+          <a:bodyPr>
+            <a:noAutofit/>
+          </a:bodyPr>
+          <a:lstStyle/>
+          <a:p>
+            <a:r>
+              <a:rPr lang="en-GB" sz="3600" dirty="0">
+                <a:solidFill>
+                  <a:schemeClr val="bg1"/>
+                </a:solidFill>
+              </a:rPr>
+              <a:t>Let </a:t>
+            </a:r>
+            <a:r>
+              <a:rPr lang="en-GB" sz="3600" dirty="0" err="1">
+                <a:solidFill>
+                  <a:schemeClr val="bg1"/>
+                </a:solidFill>
+              </a:rPr>
+              <a:t>ev'rything</a:t>
+            </a:r>
+            <a:r>
+              <a:rPr lang="en-GB" sz="3600" dirty="0">
+                <a:solidFill>
+                  <a:schemeClr val="bg1"/>
+                </a:solidFill>
+              </a:rPr>
+              <a:t> that</a:t>
+            </a:r>
+          </a:p>
+          <a:p>
+            <a:r>
+              <a:rPr lang="en-GB" sz="3600" dirty="0" err="1">
+                <a:solidFill>
+                  <a:schemeClr val="bg1"/>
+                </a:solidFill>
+              </a:rPr>
+              <a:t>Ev'rything</a:t>
+            </a:r>
+            <a:r>
+              <a:rPr lang="en-GB" sz="3600" dirty="0">
+                <a:solidFill>
+                  <a:schemeClr val="bg1"/>
+                </a:solidFill>
+              </a:rPr>
+              <a:t> that</a:t>
+            </a:r>
+          </a:p>
+          <a:p>
+            <a:r>
+              <a:rPr lang="en-GB" sz="3600" dirty="0" err="1">
+                <a:solidFill>
+                  <a:schemeClr val="bg1"/>
+                </a:solidFill>
+              </a:rPr>
+              <a:t>Ev'rything</a:t>
+            </a:r>
+            <a:r>
+              <a:rPr lang="en-GB" sz="3600" dirty="0">
+                <a:solidFill>
+                  <a:schemeClr val="bg1"/>
+                </a:solidFill>
+              </a:rPr>
+              <a:t> that has breath</a:t>
+            </a:r>
+          </a:p>
+          <a:p>
+            <a:r>
+              <a:rPr lang="en-GB" sz="3600" dirty="0">
+                <a:solidFill>
+                  <a:schemeClr val="bg1"/>
+                </a:solidFill>
+              </a:rPr>
+              <a:t>Praise the Lord</a:t>
+            </a:r>
+          </a:p>
+          <a:p>
+            <a:r>
+              <a:rPr lang="en-GB" sz="3600" dirty="0">
+                <a:solidFill>
+                  <a:schemeClr val="bg1"/>
+                </a:solidFill>
+              </a:rPr>
+              <a:t>(Repeat)</a:t>
+            </a:r>
+          </a:p>
+        </p:txBody>
+      </p:sp>
+      <p:sp>
+        <p:nvSpPr>
+          <p:cNvPr id="4" name="TextBox 3">
+            <a:extLst>
+              <a:ext uri="{FF2B5EF4-FFF2-40B4-BE49-F238E27FC236}">
+                <a16:creationId xmlns:a16="http://schemas.microsoft.com/office/drawing/2014/main" id="{2029776A-EB9F-F950-0F85-82C18E7A79B0}"/>
+              </a:ext>
+            </a:extLst>
+          </p:cNvPr>
+          <p:cNvSpPr txBox="1"/>
+          <p:nvPr/>
+        </p:nvSpPr>
+        <p:spPr>
+          <a:xfrm>
+            <a:off x="8316416" y="0"/>
+            <a:ext cx="628698" cy="461665"/>
+          </a:xfrm>
+          <a:prstGeom prst="rect">
+            <a:avLst/>
+          </a:prstGeom>
+          <a:noFill/>
+        </p:spPr>
+        <p:txBody>
+          <a:bodyPr wrap="none" rtlCol="0">
+            <a:spAutoFit/>
+          </a:bodyPr>
+          <a:lstStyle/>
+          <a:p>
+            <a:r>
+              <a:rPr lang="en-GB" sz="2400" b="1" dirty="0">
+                <a:solidFill>
+                  <a:schemeClr val="bg1"/>
+                </a:solidFill>
+              </a:rPr>
+              <a:t>5/9</a:t>
+            </a:r>
+          </a:p>
+        </p:txBody>
+      </p:sp>
+    </p:spTree>
+    <p:extLst>
+      <p:ext uri="{BB962C8B-B14F-4D97-AF65-F5344CB8AC3E}">
+        <p14:creationId xmlns:p14="http://schemas.microsoft.com/office/powerpoint/2010/main" val="695487862"/>
+      </p:ext>
+    </p:extLst>
+  </p:cSld>
+  <p:clrMapOvr>
+    <a:masterClrMapping/>
+  </p:clrMapOvr>
+</p:sld>
+</file>
+
+<file path=ppt/slides/slide7.xml><?xml version="1.0" encoding="utf-8"?>
+<p:sld xmlns:a="http://schemas.openxmlformats.org/drawingml/2006/main" xmlns:r="http://schemas.openxmlformats.org/officeDocument/2006/relationships" xmlns:p="http://schemas.openxmlformats.org/presentationml/2006/main">
+  <p:cSld>
+    <p:spTree>
+      <p:nvGrpSpPr>
+        <p:cNvPr id="1" name=""/>
+        <p:cNvGrpSpPr/>
+        <p:nvPr/>
+      </p:nvGrpSpPr>
+      <p:grpSpPr>
+        <a:xfrm>
+          <a:off x="0" y="0"/>
+          <a:ext cx="0" cy="0"/>
+          <a:chOff x="0" y="0"/>
+          <a:chExt cx="0" cy="0"/>
+        </a:xfrm>
+      </p:grpSpPr>
+      <p:sp>
+        <p:nvSpPr>
+          <p:cNvPr id="3" name="Subtitle 2"/>
+          <p:cNvSpPr>
+            <a:spLocks noGrp="1"/>
+          </p:cNvSpPr>
+          <p:nvPr>
+            <p:ph type="subTitle" idx="1"/>
+          </p:nvPr>
+        </p:nvSpPr>
+        <p:spPr>
+          <a:xfrm>
+            <a:off x="251520" y="764704"/>
+            <a:ext cx="8640960" cy="6480720"/>
+          </a:xfrm>
+        </p:spPr>
+        <p:txBody>
+          <a:bodyPr>
+            <a:noAutofit/>
+          </a:bodyPr>
+          <a:lstStyle/>
+          <a:p>
+            <a:r>
+              <a:rPr lang="en-GB" sz="3600" dirty="0">
+                <a:solidFill>
+                  <a:schemeClr val="bg1"/>
+                </a:solidFill>
+              </a:rPr>
+              <a:t>Praise You in the heavens</a:t>
+            </a:r>
+          </a:p>
+          <a:p>
+            <a:r>
+              <a:rPr lang="en-GB" sz="3600" dirty="0">
+                <a:solidFill>
+                  <a:schemeClr val="bg1"/>
+                </a:solidFill>
+              </a:rPr>
+              <a:t>Joining with the angels</a:t>
+            </a:r>
+          </a:p>
+          <a:p>
+            <a:r>
+              <a:rPr lang="en-GB" sz="3600" dirty="0">
+                <a:solidFill>
+                  <a:schemeClr val="bg1"/>
+                </a:solidFill>
+              </a:rPr>
+              <a:t>Praising You forever and a day</a:t>
+            </a:r>
+          </a:p>
+        </p:txBody>
+      </p:sp>
+      <p:sp>
+        <p:nvSpPr>
+          <p:cNvPr id="4" name="TextBox 3"/>
+          <p:cNvSpPr txBox="1"/>
+          <p:nvPr/>
+        </p:nvSpPr>
+        <p:spPr>
+          <a:xfrm>
+            <a:off x="8316416" y="0"/>
+            <a:ext cx="628698" cy="461665"/>
+          </a:xfrm>
+          <a:prstGeom prst="rect">
+            <a:avLst/>
+          </a:prstGeom>
+          <a:noFill/>
+        </p:spPr>
+        <p:txBody>
+          <a:bodyPr wrap="none" rtlCol="0">
+            <a:spAutoFit/>
+          </a:bodyPr>
+          <a:lstStyle/>
+          <a:p>
+            <a:r>
+              <a:rPr lang="en-GB" sz="2400" b="1" dirty="0">
+                <a:solidFill>
+                  <a:schemeClr val="bg1"/>
+                </a:solidFill>
+              </a:rPr>
+              <a:t>6/9</a:t>
             </a:r>
           </a:p>
         </p:txBody>
@@ -4408,6 +4881,320 @@
     <p:extLst>
       <p:ext uri="{BB962C8B-B14F-4D97-AF65-F5344CB8AC3E}">
         <p14:creationId xmlns:p14="http://schemas.microsoft.com/office/powerpoint/2010/main" val="3735425700"/>
+      </p:ext>
+    </p:extLst>
+  </p:cSld>
+  <p:clrMapOvr>
+    <a:masterClrMapping/>
+  </p:clrMapOvr>
+</p:sld>
+</file>
+
+<file path=ppt/slides/slide8.xml><?xml version="1.0" encoding="utf-8"?>
+<p:sld xmlns:a="http://schemas.openxmlformats.org/drawingml/2006/main" xmlns:r="http://schemas.openxmlformats.org/officeDocument/2006/relationships" xmlns:p="http://schemas.openxmlformats.org/presentationml/2006/main">
+  <p:cSld>
+    <p:spTree>
+      <p:nvGrpSpPr>
+        <p:cNvPr id="1" name="">
+          <a:extLst>
+            <a:ext uri="{FF2B5EF4-FFF2-40B4-BE49-F238E27FC236}">
+              <a16:creationId xmlns:a16="http://schemas.microsoft.com/office/drawing/2014/main" id="{B47DA935-DAF2-4219-2CB3-FB28102EE405}"/>
+            </a:ext>
+          </a:extLst>
+        </p:cNvPr>
+        <p:cNvGrpSpPr/>
+        <p:nvPr/>
+      </p:nvGrpSpPr>
+      <p:grpSpPr>
+        <a:xfrm>
+          <a:off x="0" y="0"/>
+          <a:ext cx="0" cy="0"/>
+          <a:chOff x="0" y="0"/>
+          <a:chExt cx="0" cy="0"/>
+        </a:xfrm>
+      </p:grpSpPr>
+      <p:sp>
+        <p:nvSpPr>
+          <p:cNvPr id="3" name="Subtitle 2">
+            <a:extLst>
+              <a:ext uri="{FF2B5EF4-FFF2-40B4-BE49-F238E27FC236}">
+                <a16:creationId xmlns:a16="http://schemas.microsoft.com/office/drawing/2014/main" id="{CFB52CB6-B62B-94A0-F950-A9BE934D9406}"/>
+              </a:ext>
+            </a:extLst>
+          </p:cNvPr>
+          <p:cNvSpPr>
+            <a:spLocks noGrp="1"/>
+          </p:cNvSpPr>
+          <p:nvPr>
+            <p:ph type="subTitle" idx="1"/>
+          </p:nvPr>
+        </p:nvSpPr>
+        <p:spPr>
+          <a:xfrm>
+            <a:off x="304154" y="764704"/>
+            <a:ext cx="8640960" cy="6480720"/>
+          </a:xfrm>
+        </p:spPr>
+        <p:txBody>
+          <a:bodyPr>
+            <a:noAutofit/>
+          </a:bodyPr>
+          <a:lstStyle/>
+          <a:p>
+            <a:r>
+              <a:rPr lang="en-GB" sz="3600" dirty="0">
+                <a:solidFill>
+                  <a:schemeClr val="bg1"/>
+                </a:solidFill>
+              </a:rPr>
+              <a:t>Praise You on the earth now</a:t>
+            </a:r>
+          </a:p>
+          <a:p>
+            <a:r>
+              <a:rPr lang="en-GB" sz="3600" dirty="0">
+                <a:solidFill>
+                  <a:schemeClr val="bg1"/>
+                </a:solidFill>
+              </a:rPr>
+              <a:t>Joining with creation</a:t>
+            </a:r>
+          </a:p>
+          <a:p>
+            <a:r>
+              <a:rPr lang="en-GB" sz="3600" dirty="0">
+                <a:solidFill>
+                  <a:schemeClr val="bg1"/>
+                </a:solidFill>
+              </a:rPr>
+              <a:t>Calling all the nations to Your praise</a:t>
+            </a:r>
+          </a:p>
+        </p:txBody>
+      </p:sp>
+      <p:sp>
+        <p:nvSpPr>
+          <p:cNvPr id="4" name="TextBox 3">
+            <a:extLst>
+              <a:ext uri="{FF2B5EF4-FFF2-40B4-BE49-F238E27FC236}">
+                <a16:creationId xmlns:a16="http://schemas.microsoft.com/office/drawing/2014/main" id="{D0ECBB43-D4BD-00B3-92EE-ED8B1E8D5732}"/>
+              </a:ext>
+            </a:extLst>
+          </p:cNvPr>
+          <p:cNvSpPr txBox="1"/>
+          <p:nvPr/>
+        </p:nvSpPr>
+        <p:spPr>
+          <a:xfrm>
+            <a:off x="8316416" y="0"/>
+            <a:ext cx="628698" cy="461665"/>
+          </a:xfrm>
+          <a:prstGeom prst="rect">
+            <a:avLst/>
+          </a:prstGeom>
+          <a:noFill/>
+        </p:spPr>
+        <p:txBody>
+          <a:bodyPr wrap="none" rtlCol="0">
+            <a:spAutoFit/>
+          </a:bodyPr>
+          <a:lstStyle/>
+          <a:p>
+            <a:r>
+              <a:rPr lang="en-GB" sz="2400" b="1" dirty="0">
+                <a:solidFill>
+                  <a:schemeClr val="bg1"/>
+                </a:solidFill>
+              </a:rPr>
+              <a:t>7/9</a:t>
+            </a:r>
+          </a:p>
+        </p:txBody>
+      </p:sp>
+    </p:spTree>
+    <p:extLst>
+      <p:ext uri="{BB962C8B-B14F-4D97-AF65-F5344CB8AC3E}">
+        <p14:creationId xmlns:p14="http://schemas.microsoft.com/office/powerpoint/2010/main" val="1824502680"/>
+      </p:ext>
+    </p:extLst>
+  </p:cSld>
+  <p:clrMapOvr>
+    <a:masterClrMapping/>
+  </p:clrMapOvr>
+</p:sld>
+</file>
+
+<file path=ppt/slides/slide9.xml><?xml version="1.0" encoding="utf-8"?>
+<p:sld xmlns:a="http://schemas.openxmlformats.org/drawingml/2006/main" xmlns:r="http://schemas.openxmlformats.org/officeDocument/2006/relationships" xmlns:p="http://schemas.openxmlformats.org/presentationml/2006/main">
+  <p:cSld>
+    <p:spTree>
+      <p:nvGrpSpPr>
+        <p:cNvPr id="1" name="">
+          <a:extLst>
+            <a:ext uri="{FF2B5EF4-FFF2-40B4-BE49-F238E27FC236}">
+              <a16:creationId xmlns:a16="http://schemas.microsoft.com/office/drawing/2014/main" id="{2B81AD32-EE7A-5447-7FDC-EA2BC36E10F5}"/>
+            </a:ext>
+          </a:extLst>
+        </p:cNvPr>
+        <p:cNvGrpSpPr/>
+        <p:nvPr/>
+      </p:nvGrpSpPr>
+      <p:grpSpPr>
+        <a:xfrm>
+          <a:off x="0" y="0"/>
+          <a:ext cx="0" cy="0"/>
+          <a:chOff x="0" y="0"/>
+          <a:chExt cx="0" cy="0"/>
+        </a:xfrm>
+      </p:grpSpPr>
+      <p:sp>
+        <p:nvSpPr>
+          <p:cNvPr id="3" name="Subtitle 2">
+            <a:extLst>
+              <a:ext uri="{FF2B5EF4-FFF2-40B4-BE49-F238E27FC236}">
+                <a16:creationId xmlns:a16="http://schemas.microsoft.com/office/drawing/2014/main" id="{E5867D58-3D25-CF55-F2A6-2A276AF23004}"/>
+              </a:ext>
+            </a:extLst>
+          </p:cNvPr>
+          <p:cNvSpPr>
+            <a:spLocks noGrp="1"/>
+          </p:cNvSpPr>
+          <p:nvPr>
+            <p:ph type="subTitle" idx="1"/>
+          </p:nvPr>
+        </p:nvSpPr>
+        <p:spPr>
+          <a:xfrm>
+            <a:off x="179512" y="764704"/>
+            <a:ext cx="8640960" cy="6480720"/>
+          </a:xfrm>
+        </p:spPr>
+        <p:txBody>
+          <a:bodyPr>
+            <a:noAutofit/>
+          </a:bodyPr>
+          <a:lstStyle/>
+          <a:p>
+            <a:r>
+              <a:rPr lang="en-GB" sz="3600" dirty="0">
+                <a:solidFill>
+                  <a:schemeClr val="bg1"/>
+                </a:solidFill>
+              </a:rPr>
+              <a:t>If they could see</a:t>
+            </a:r>
+          </a:p>
+          <a:p>
+            <a:r>
+              <a:rPr lang="en-GB" sz="3600" dirty="0">
+                <a:solidFill>
+                  <a:schemeClr val="bg1"/>
+                </a:solidFill>
+              </a:rPr>
+              <a:t>How much You're worth</a:t>
+            </a:r>
+          </a:p>
+          <a:p>
+            <a:r>
+              <a:rPr lang="en-GB" sz="3600" dirty="0">
+                <a:solidFill>
+                  <a:schemeClr val="bg1"/>
+                </a:solidFill>
+              </a:rPr>
+              <a:t>Your </a:t>
+            </a:r>
+            <a:r>
+              <a:rPr lang="en-GB" sz="3600" dirty="0" err="1">
+                <a:solidFill>
+                  <a:schemeClr val="bg1"/>
+                </a:solidFill>
+              </a:rPr>
+              <a:t>pow'r</a:t>
+            </a:r>
+            <a:r>
+              <a:rPr lang="en-GB" sz="3600" dirty="0">
+                <a:solidFill>
+                  <a:schemeClr val="bg1"/>
+                </a:solidFill>
+              </a:rPr>
+              <a:t> Your might</a:t>
+            </a:r>
+          </a:p>
+          <a:p>
+            <a:r>
+              <a:rPr lang="en-GB" sz="3600" dirty="0">
+                <a:solidFill>
+                  <a:schemeClr val="bg1"/>
+                </a:solidFill>
+              </a:rPr>
+              <a:t>Your endless love</a:t>
+            </a:r>
+          </a:p>
+          <a:p>
+            <a:r>
+              <a:rPr lang="en-GB" sz="3600" dirty="0">
+                <a:solidFill>
+                  <a:schemeClr val="bg1"/>
+                </a:solidFill>
+              </a:rPr>
+              <a:t>Then surely we would</a:t>
+            </a:r>
+          </a:p>
+          <a:p>
+            <a:r>
+              <a:rPr lang="en-GB" sz="3600" dirty="0">
+                <a:solidFill>
+                  <a:schemeClr val="bg1"/>
+                </a:solidFill>
+              </a:rPr>
+              <a:t>Never cease to praise</a:t>
+            </a:r>
+          </a:p>
+        </p:txBody>
+      </p:sp>
+      <p:sp>
+        <p:nvSpPr>
+          <p:cNvPr id="4" name="TextBox 3">
+            <a:extLst>
+              <a:ext uri="{FF2B5EF4-FFF2-40B4-BE49-F238E27FC236}">
+                <a16:creationId xmlns:a16="http://schemas.microsoft.com/office/drawing/2014/main" id="{D059855F-1576-AE59-33F6-C229CA89D59D}"/>
+              </a:ext>
+            </a:extLst>
+          </p:cNvPr>
+          <p:cNvSpPr txBox="1"/>
+          <p:nvPr/>
+        </p:nvSpPr>
+        <p:spPr>
+          <a:xfrm>
+            <a:off x="8316416" y="0"/>
+            <a:ext cx="628698" cy="461665"/>
+          </a:xfrm>
+          <a:prstGeom prst="rect">
+            <a:avLst/>
+          </a:prstGeom>
+          <a:noFill/>
+        </p:spPr>
+        <p:txBody>
+          <a:bodyPr wrap="none" rtlCol="0">
+            <a:spAutoFit/>
+          </a:bodyPr>
+          <a:lstStyle/>
+          <a:p>
+            <a:r>
+              <a:rPr lang="en-GB" sz="2400" b="1" dirty="0">
+                <a:solidFill>
+                  <a:schemeClr val="bg1"/>
+                </a:solidFill>
+              </a:rPr>
+              <a:t>8/9</a:t>
+            </a:r>
+          </a:p>
+        </p:txBody>
+      </p:sp>
+    </p:spTree>
+    <p:extLst>
+      <p:ext uri="{BB962C8B-B14F-4D97-AF65-F5344CB8AC3E}">
+        <p14:creationId xmlns:p14="http://schemas.microsoft.com/office/powerpoint/2010/main" val="10400846"/>
       </p:ext>
     </p:extLst>
   </p:cSld>
